--- a/test/test.pptx
+++ b/test/test.pptx
@@ -108,6 +108,11 @@
       </a:defRPr>
     </a:lvl9pPr>
   </p:defaultTextStyle>
+  <p:extLst>
+    <p:ext uri="{EFAFB233-063F-42B5-8137-9DF3F51BA10A}">
+      <p15:sldGuideLst xmlns:p15="http://schemas.microsoft.com/office/powerpoint/2012/main"/>
+    </p:ext>
+  </p:extLst>
 </p:presentation>
 </file>
 
@@ -193,7 +198,7 @@
           <a:p>
             <a:fld id="{2F62D05F-84E3-DF46-B403-2E46EA224B98}" type="datetimeFigureOut">
               <a:rPr kumimoji="1" lang="zh-CN" altLang="en-US" smtClean="0"/>
-              <a:t>2024/9/22</a:t>
+              <a:t>2024/11/2</a:t>
             </a:fld>
             <a:endParaRPr kumimoji="1" lang="zh-CN" altLang="en-US"/>
           </a:p>
@@ -523,20 +528,43 @@
             </a:pPr>
             <a:r>
               <a:rPr kumimoji="1" lang="zh-CN" altLang="en-US" dirty="0"/>
-              <a:t>大家好，</a:t>
-            </a:r>
-            <a:r>
-              <a:rPr kumimoji="1" lang="zh-CN" altLang="en-US"/>
-              <a:t>我是张大锤，</a:t>
-            </a:r>
-            <a:r>
-              <a:rPr kumimoji="1" lang="zh-CN" altLang="en-US" dirty="0"/>
-              <a:t>很高兴为大家介绍</a:t>
+              <a:t>大家好，我是张大锤，很高兴为大家介绍项目</a:t>
+            </a:r>
+            <a:r>
+              <a:rPr lang="zh-CN" altLang="en-US"/>
+              <a:t>建设方案</a:t>
             </a:r>
             <a:r>
               <a:rPr lang="zh-CN" altLang="en-US" dirty="0"/>
-              <a:t>高可用建设方案</a:t>
-            </a:r>
+              <a:t>。</a:t>
+            </a:r>
+            <a:r>
+              <a:rPr lang="zh-CN" altLang="en-US" b="0">
+                <a:solidFill>
+                  <a:srgbClr val="A31515"/>
+                </a:solidFill>
+                <a:effectLst/>
+                <a:latin typeface="Menlo" panose="020B0609030804020204" pitchFamily="49" charset="0"/>
+              </a:rPr>
+              <a:t>这</a:t>
+            </a:r>
+            <a:r>
+              <a:rPr lang="zh-CN" altLang="en-US" b="0" dirty="0">
+                <a:solidFill>
+                  <a:srgbClr val="A31515"/>
+                </a:solidFill>
+                <a:effectLst/>
+                <a:latin typeface="Menlo" panose="020B0609030804020204" pitchFamily="49" charset="0"/>
+              </a:rPr>
+              <a:t>是一个示例文本，用于演示文字转语音和生成字幕。这个方法基于文本分割，不使用语音识别。它可以更准确地生成字幕，并且可以处理较长的文本。</a:t>
+            </a:r>
+            <a:endParaRPr lang="zh-CN" altLang="en-US" b="0" dirty="0">
+              <a:solidFill>
+                <a:srgbClr val="000000"/>
+              </a:solidFill>
+              <a:effectLst/>
+              <a:latin typeface="Menlo" panose="020B0609030804020204" pitchFamily="49" charset="0"/>
+            </a:endParaRPr>
           </a:p>
         </p:txBody>
       </p:sp>
@@ -810,7 +838,7 @@
           <a:p>
             <a:fld id="{557EE82B-4EBE-DB4D-A753-341A24347AC1}" type="datetimeFigureOut">
               <a:rPr kumimoji="1" lang="zh-CN" altLang="en-US" smtClean="0"/>
-              <a:t>2024/9/22</a:t>
+              <a:t>2024/11/2</a:t>
             </a:fld>
             <a:endParaRPr kumimoji="1" lang="zh-CN" altLang="en-US"/>
           </a:p>
@@ -1008,7 +1036,7 @@
           <a:p>
             <a:fld id="{557EE82B-4EBE-DB4D-A753-341A24347AC1}" type="datetimeFigureOut">
               <a:rPr kumimoji="1" lang="zh-CN" altLang="en-US" smtClean="0"/>
-              <a:t>2024/9/22</a:t>
+              <a:t>2024/11/2</a:t>
             </a:fld>
             <a:endParaRPr kumimoji="1" lang="zh-CN" altLang="en-US"/>
           </a:p>
@@ -1216,7 +1244,7 @@
           <a:p>
             <a:fld id="{557EE82B-4EBE-DB4D-A753-341A24347AC1}" type="datetimeFigureOut">
               <a:rPr kumimoji="1" lang="zh-CN" altLang="en-US" smtClean="0"/>
-              <a:t>2024/9/22</a:t>
+              <a:t>2024/11/2</a:t>
             </a:fld>
             <a:endParaRPr kumimoji="1" lang="zh-CN" altLang="en-US"/>
           </a:p>
@@ -1490,7 +1518,7 @@
           <a:p>
             <a:fld id="{557EE82B-4EBE-DB4D-A753-341A24347AC1}" type="datetimeFigureOut">
               <a:rPr kumimoji="1" lang="zh-CN" altLang="en-US" smtClean="0"/>
-              <a:t>2024/9/22</a:t>
+              <a:t>2024/11/2</a:t>
             </a:fld>
             <a:endParaRPr kumimoji="1" lang="zh-CN" altLang="en-US"/>
           </a:p>
@@ -1765,7 +1793,7 @@
           <a:p>
             <a:fld id="{557EE82B-4EBE-DB4D-A753-341A24347AC1}" type="datetimeFigureOut">
               <a:rPr kumimoji="1" lang="zh-CN" altLang="en-US" smtClean="0"/>
-              <a:t>2024/9/22</a:t>
+              <a:t>2024/11/2</a:t>
             </a:fld>
             <a:endParaRPr kumimoji="1" lang="zh-CN" altLang="en-US"/>
           </a:p>
@@ -2030,7 +2058,7 @@
           <a:p>
             <a:fld id="{557EE82B-4EBE-DB4D-A753-341A24347AC1}" type="datetimeFigureOut">
               <a:rPr kumimoji="1" lang="zh-CN" altLang="en-US" smtClean="0"/>
-              <a:t>2024/9/22</a:t>
+              <a:t>2024/11/2</a:t>
             </a:fld>
             <a:endParaRPr kumimoji="1" lang="zh-CN" altLang="en-US"/>
           </a:p>
@@ -2442,7 +2470,7 @@
           <a:p>
             <a:fld id="{557EE82B-4EBE-DB4D-A753-341A24347AC1}" type="datetimeFigureOut">
               <a:rPr kumimoji="1" lang="zh-CN" altLang="en-US" smtClean="0"/>
-              <a:t>2024/9/22</a:t>
+              <a:t>2024/11/2</a:t>
             </a:fld>
             <a:endParaRPr kumimoji="1" lang="zh-CN" altLang="en-US"/>
           </a:p>
@@ -2583,7 +2611,7 @@
           <a:p>
             <a:fld id="{557EE82B-4EBE-DB4D-A753-341A24347AC1}" type="datetimeFigureOut">
               <a:rPr kumimoji="1" lang="zh-CN" altLang="en-US" smtClean="0"/>
-              <a:t>2024/9/22</a:t>
+              <a:t>2024/11/2</a:t>
             </a:fld>
             <a:endParaRPr kumimoji="1" lang="zh-CN" altLang="en-US"/>
           </a:p>
@@ -2696,7 +2724,7 @@
           <a:p>
             <a:fld id="{557EE82B-4EBE-DB4D-A753-341A24347AC1}" type="datetimeFigureOut">
               <a:rPr kumimoji="1" lang="zh-CN" altLang="en-US" smtClean="0"/>
-              <a:t>2024/9/22</a:t>
+              <a:t>2024/11/2</a:t>
             </a:fld>
             <a:endParaRPr kumimoji="1" lang="zh-CN" altLang="en-US"/>
           </a:p>
@@ -3007,7 +3035,7 @@
           <a:p>
             <a:fld id="{557EE82B-4EBE-DB4D-A753-341A24347AC1}" type="datetimeFigureOut">
               <a:rPr kumimoji="1" lang="zh-CN" altLang="en-US" smtClean="0"/>
-              <a:t>2024/9/22</a:t>
+              <a:t>2024/11/2</a:t>
             </a:fld>
             <a:endParaRPr kumimoji="1" lang="zh-CN" altLang="en-US"/>
           </a:p>
@@ -3295,7 +3323,7 @@
           <a:p>
             <a:fld id="{557EE82B-4EBE-DB4D-A753-341A24347AC1}" type="datetimeFigureOut">
               <a:rPr kumimoji="1" lang="zh-CN" altLang="en-US" smtClean="0"/>
-              <a:t>2024/9/22</a:t>
+              <a:t>2024/11/2</a:t>
             </a:fld>
             <a:endParaRPr kumimoji="1" lang="zh-CN" altLang="en-US"/>
           </a:p>
@@ -3536,7 +3564,7 @@
           <a:p>
             <a:fld id="{557EE82B-4EBE-DB4D-A753-341A24347AC1}" type="datetimeFigureOut">
               <a:rPr kumimoji="1" lang="zh-CN" altLang="en-US" smtClean="0"/>
-              <a:t>2024/9/22</a:t>
+              <a:t>2024/11/2</a:t>
             </a:fld>
             <a:endParaRPr kumimoji="1" lang="zh-CN" altLang="en-US"/>
           </a:p>
@@ -4231,7 +4259,7 @@
                   <a:schemeClr val="tx1"/>
                 </a:solidFill>
               </a:rPr>
-              <a:t>高可用建设方案</a:t>
+              <a:t>建设方案</a:t>
             </a:r>
           </a:p>
         </p:txBody>
